--- a/cores/circulo cromatico.pptx
+++ b/cores/circulo cromatico.pptx
@@ -105,6 +105,11 @@
       </a:defRPr>
     </a:lvl9pPr>
   </p:defaultTextStyle>
+  <p:extLst>
+    <p:ext uri="{EFAFB233-063F-42B5-8137-9DF3F51BA10A}">
+      <p15:sldGuideLst xmlns:p15="http://schemas.microsoft.com/office/powerpoint/2012/main"/>
+    </p:ext>
+  </p:extLst>
 </p:presentation>
 </file>
 
@@ -255,7 +260,7 @@
           <a:p>
             <a:fld id="{304BC03B-68B7-4DC3-8DC9-E36E0125CD2D}" type="datetimeFigureOut">
               <a:rPr lang="pt-BR" smtClean="0"/>
-              <a:t>10/03/2023</a:t>
+              <a:t>12/03/2023</a:t>
             </a:fld>
             <a:endParaRPr lang="pt-BR"/>
           </a:p>
@@ -453,7 +458,7 @@
           <a:p>
             <a:fld id="{304BC03B-68B7-4DC3-8DC9-E36E0125CD2D}" type="datetimeFigureOut">
               <a:rPr lang="pt-BR" smtClean="0"/>
-              <a:t>10/03/2023</a:t>
+              <a:t>12/03/2023</a:t>
             </a:fld>
             <a:endParaRPr lang="pt-BR"/>
           </a:p>
@@ -661,7 +666,7 @@
           <a:p>
             <a:fld id="{304BC03B-68B7-4DC3-8DC9-E36E0125CD2D}" type="datetimeFigureOut">
               <a:rPr lang="pt-BR" smtClean="0"/>
-              <a:t>10/03/2023</a:t>
+              <a:t>12/03/2023</a:t>
             </a:fld>
             <a:endParaRPr lang="pt-BR"/>
           </a:p>
@@ -859,7 +864,7 @@
           <a:p>
             <a:fld id="{304BC03B-68B7-4DC3-8DC9-E36E0125CD2D}" type="datetimeFigureOut">
               <a:rPr lang="pt-BR" smtClean="0"/>
-              <a:t>10/03/2023</a:t>
+              <a:t>12/03/2023</a:t>
             </a:fld>
             <a:endParaRPr lang="pt-BR"/>
           </a:p>
@@ -1134,7 +1139,7 @@
           <a:p>
             <a:fld id="{304BC03B-68B7-4DC3-8DC9-E36E0125CD2D}" type="datetimeFigureOut">
               <a:rPr lang="pt-BR" smtClean="0"/>
-              <a:t>10/03/2023</a:t>
+              <a:t>12/03/2023</a:t>
             </a:fld>
             <a:endParaRPr lang="pt-BR"/>
           </a:p>
@@ -1399,7 +1404,7 @@
           <a:p>
             <a:fld id="{304BC03B-68B7-4DC3-8DC9-E36E0125CD2D}" type="datetimeFigureOut">
               <a:rPr lang="pt-BR" smtClean="0"/>
-              <a:t>10/03/2023</a:t>
+              <a:t>12/03/2023</a:t>
             </a:fld>
             <a:endParaRPr lang="pt-BR"/>
           </a:p>
@@ -1811,7 +1816,7 @@
           <a:p>
             <a:fld id="{304BC03B-68B7-4DC3-8DC9-E36E0125CD2D}" type="datetimeFigureOut">
               <a:rPr lang="pt-BR" smtClean="0"/>
-              <a:t>10/03/2023</a:t>
+              <a:t>12/03/2023</a:t>
             </a:fld>
             <a:endParaRPr lang="pt-BR"/>
           </a:p>
@@ -1952,7 +1957,7 @@
           <a:p>
             <a:fld id="{304BC03B-68B7-4DC3-8DC9-E36E0125CD2D}" type="datetimeFigureOut">
               <a:rPr lang="pt-BR" smtClean="0"/>
-              <a:t>10/03/2023</a:t>
+              <a:t>12/03/2023</a:t>
             </a:fld>
             <a:endParaRPr lang="pt-BR"/>
           </a:p>
@@ -2065,7 +2070,7 @@
           <a:p>
             <a:fld id="{304BC03B-68B7-4DC3-8DC9-E36E0125CD2D}" type="datetimeFigureOut">
               <a:rPr lang="pt-BR" smtClean="0"/>
-              <a:t>10/03/2023</a:t>
+              <a:t>12/03/2023</a:t>
             </a:fld>
             <a:endParaRPr lang="pt-BR"/>
           </a:p>
@@ -2376,7 +2381,7 @@
           <a:p>
             <a:fld id="{304BC03B-68B7-4DC3-8DC9-E36E0125CD2D}" type="datetimeFigureOut">
               <a:rPr lang="pt-BR" smtClean="0"/>
-              <a:t>10/03/2023</a:t>
+              <a:t>12/03/2023</a:t>
             </a:fld>
             <a:endParaRPr lang="pt-BR"/>
           </a:p>
@@ -2664,7 +2669,7 @@
           <a:p>
             <a:fld id="{304BC03B-68B7-4DC3-8DC9-E36E0125CD2D}" type="datetimeFigureOut">
               <a:rPr lang="pt-BR" smtClean="0"/>
-              <a:t>10/03/2023</a:t>
+              <a:t>12/03/2023</a:t>
             </a:fld>
             <a:endParaRPr lang="pt-BR"/>
           </a:p>
@@ -2905,7 +2910,7 @@
           <a:p>
             <a:fld id="{304BC03B-68B7-4DC3-8DC9-E36E0125CD2D}" type="datetimeFigureOut">
               <a:rPr lang="pt-BR" smtClean="0"/>
-              <a:t>10/03/2023</a:t>
+              <a:t>12/03/2023</a:t>
             </a:fld>
             <a:endParaRPr lang="pt-BR"/>
           </a:p>
@@ -3799,7 +3804,7 @@
         </p:spPr>
         <p:txBody>
           <a:bodyPr>
-            <a:normAutofit fontScale="92500" lnSpcReduction="20000"/>
+            <a:normAutofit fontScale="92500" lnSpcReduction="10000"/>
           </a:bodyPr>
           <a:lstStyle/>
           <a:p>
@@ -4341,6 +4346,30 @@
           </a:fontRef>
         </p:style>
       </p:cxnSp>
+      <p:pic>
+        <p:nvPicPr>
+          <p:cNvPr id="3" name="Imagem 2"/>
+          <p:cNvPicPr>
+            <a:picLocks noChangeAspect="1"/>
+          </p:cNvPicPr>
+          <p:nvPr/>
+        </p:nvPicPr>
+        <p:blipFill>
+          <a:blip r:embed="rId2"/>
+          <a:stretch>
+            <a:fillRect/>
+          </a:stretch>
+        </p:blipFill>
+        <p:spPr>
+          <a:xfrm>
+            <a:off x="3224343" y="1584882"/>
+            <a:ext cx="5238750" cy="4800600"/>
+          </a:xfrm>
+          <a:prstGeom prst="rect">
+            <a:avLst/>
+          </a:prstGeom>
+        </p:spPr>
+      </p:pic>
     </p:spTree>
     <p:extLst>
       <p:ext uri="{BB962C8B-B14F-4D97-AF65-F5344CB8AC3E}">
